--- a/Later/String/misc/String_50/Java String_Join.pptx
+++ b/Later/String/misc/String_50/Java String_Join.pptx
@@ -192,7 +192,7 @@
           <a:p>
             <a:fld id="{62274EC6-3890-417B-9308-14EFBD00FA63}" type="datetimeFigureOut">
               <a:rPr lang="en-US" smtClean="0"/>
-              <a:t>2/23/2016</a:t>
+              <a:t>2/24/2016</a:t>
             </a:fld>
             <a:endParaRPr lang="en-US" dirty="0"/>
           </a:p>
@@ -731,7 +731,7 @@
             <a:fld id="{1D8BD707-D9CF-40AE-B4C6-C98DA3205C09}" type="datetimeFigureOut">
               <a:rPr lang="en-US" smtClean="0"/>
               <a:pPr/>
-              <a:t>2/23/2016</a:t>
+              <a:t>2/24/2016</a:t>
             </a:fld>
             <a:endParaRPr lang="en-US" dirty="0"/>
           </a:p>
@@ -903,7 +903,7 @@
             <a:fld id="{1D8BD707-D9CF-40AE-B4C6-C98DA3205C09}" type="datetimeFigureOut">
               <a:rPr lang="en-US" smtClean="0"/>
               <a:pPr/>
-              <a:t>2/23/2016</a:t>
+              <a:t>2/24/2016</a:t>
             </a:fld>
             <a:endParaRPr lang="en-US" dirty="0"/>
           </a:p>
@@ -1085,7 +1085,7 @@
             <a:fld id="{1D8BD707-D9CF-40AE-B4C6-C98DA3205C09}" type="datetimeFigureOut">
               <a:rPr lang="en-US" smtClean="0"/>
               <a:pPr/>
-              <a:t>2/23/2016</a:t>
+              <a:t>2/24/2016</a:t>
             </a:fld>
             <a:endParaRPr lang="en-US" dirty="0"/>
           </a:p>
@@ -1257,7 +1257,7 @@
             <a:fld id="{1D8BD707-D9CF-40AE-B4C6-C98DA3205C09}" type="datetimeFigureOut">
               <a:rPr lang="en-US" smtClean="0"/>
               <a:pPr/>
-              <a:t>2/23/2016</a:t>
+              <a:t>2/24/2016</a:t>
             </a:fld>
             <a:endParaRPr lang="en-US" dirty="0"/>
           </a:p>
@@ -1505,7 +1505,7 @@
             <a:fld id="{1D8BD707-D9CF-40AE-B4C6-C98DA3205C09}" type="datetimeFigureOut">
               <a:rPr lang="en-US" smtClean="0"/>
               <a:pPr/>
-              <a:t>2/23/2016</a:t>
+              <a:t>2/24/2016</a:t>
             </a:fld>
             <a:endParaRPr lang="en-US" dirty="0"/>
           </a:p>
@@ -1795,7 +1795,7 @@
             <a:fld id="{1D8BD707-D9CF-40AE-B4C6-C98DA3205C09}" type="datetimeFigureOut">
               <a:rPr lang="en-US" smtClean="0"/>
               <a:pPr/>
-              <a:t>2/23/2016</a:t>
+              <a:t>2/24/2016</a:t>
             </a:fld>
             <a:endParaRPr lang="en-US" dirty="0"/>
           </a:p>
@@ -2224,7 +2224,7 @@
             <a:fld id="{1D8BD707-D9CF-40AE-B4C6-C98DA3205C09}" type="datetimeFigureOut">
               <a:rPr lang="en-US" smtClean="0"/>
               <a:pPr/>
-              <a:t>2/23/2016</a:t>
+              <a:t>2/24/2016</a:t>
             </a:fld>
             <a:endParaRPr lang="en-US" dirty="0"/>
           </a:p>
@@ -2344,7 +2344,7 @@
             <a:fld id="{1D8BD707-D9CF-40AE-B4C6-C98DA3205C09}" type="datetimeFigureOut">
               <a:rPr lang="en-US" smtClean="0"/>
               <a:pPr/>
-              <a:t>2/23/2016</a:t>
+              <a:t>2/24/2016</a:t>
             </a:fld>
             <a:endParaRPr lang="en-US" dirty="0"/>
           </a:p>
@@ -2441,7 +2441,7 @@
             <a:fld id="{1D8BD707-D9CF-40AE-B4C6-C98DA3205C09}" type="datetimeFigureOut">
               <a:rPr lang="en-US" smtClean="0"/>
               <a:pPr/>
-              <a:t>2/23/2016</a:t>
+              <a:t>2/24/2016</a:t>
             </a:fld>
             <a:endParaRPr lang="en-US" dirty="0"/>
           </a:p>
@@ -2720,7 +2720,7 @@
             <a:fld id="{1D8BD707-D9CF-40AE-B4C6-C98DA3205C09}" type="datetimeFigureOut">
               <a:rPr lang="en-US" smtClean="0"/>
               <a:pPr/>
-              <a:t>2/23/2016</a:t>
+              <a:t>2/24/2016</a:t>
             </a:fld>
             <a:endParaRPr lang="en-US" dirty="0"/>
           </a:p>
@@ -2975,7 +2975,7 @@
             <a:fld id="{1D8BD707-D9CF-40AE-B4C6-C98DA3205C09}" type="datetimeFigureOut">
               <a:rPr lang="en-US" smtClean="0"/>
               <a:pPr/>
-              <a:t>2/23/2016</a:t>
+              <a:t>2/24/2016</a:t>
             </a:fld>
             <a:endParaRPr lang="en-US" dirty="0"/>
           </a:p>
@@ -3190,7 +3190,7 @@
             <a:fld id="{1D8BD707-D9CF-40AE-B4C6-C98DA3205C09}" type="datetimeFigureOut">
               <a:rPr lang="en-US" smtClean="0"/>
               <a:pPr/>
-              <a:t>2/23/2016</a:t>
+              <a:t>2/24/2016</a:t>
             </a:fld>
             <a:endParaRPr lang="en-US" dirty="0"/>
           </a:p>
@@ -3795,7 +3795,7 @@
           <p:nvPr>
             <p:extLst>
               <p:ext uri="{D42A27DB-BD31-4B8C-83A1-F6EECF244321}">
-                <p14:modId xmlns:p14="http://schemas.microsoft.com/office/powerpoint/2010/main" val="3818975889"/>
+                <p14:modId xmlns:p14="http://schemas.microsoft.com/office/powerpoint/2010/main" val="2000090107"/>
               </p:ext>
             </p:extLst>
           </p:nvPr>
@@ -3930,17 +3930,7 @@
                     <a:p>
                       <a:r>
                         <a:rPr lang="en-US" sz="1200" dirty="0" smtClean="0"/>
-                        <a:t> </a:t>
-                      </a:r>
-                      <a:r>
-                        <a:rPr lang="en-US" sz="1200" dirty="0" smtClean="0"/>
-                        <a:t>String join(CharSequence delimiter,</a:t>
-                      </a:r>
-                    </a:p>
-                    <a:p>
-                      <a:r>
-                        <a:rPr lang="en-US" sz="1200" dirty="0" smtClean="0"/>
-                        <a:t>                          CharSequence... elements)</a:t>
+                        <a:t>public static String join(CharSequence delimiter,CharSequence... elements)</a:t>
                       </a:r>
                       <a:endParaRPr lang="en-US" sz="1200" dirty="0"/>
                     </a:p>
@@ -4087,7 +4077,6 @@
               <a:rPr lang="en-US" sz="1200" dirty="0"/>
               <a:t>String message = String.join("-", "Java", "is", "cool"); // message returned is: "Java-is-cool"</a:t>
             </a:r>
-            <a:endParaRPr lang="en-US" sz="1200" dirty="0"/>
           </a:p>
         </p:txBody>
       </p:sp>
